--- a/2019 Nov - Blazor Sneak Peek/slides.pptx
+++ b/2019 Nov - Blazor Sneak Peek/slides.pptx
@@ -136,6 +136,9 @@
 
 <file path=ppt/changesInfos/changesInfo1.xml><?xml version="1.0" encoding="utf-8"?>
 <pc:chgInfo xmlns:a="http://schemas.openxmlformats.org/drawingml/2006/main" xmlns:r="http://schemas.openxmlformats.org/officeDocument/2006/relationships" xmlns:ac="http://schemas.microsoft.com/office/drawing/2013/main/command" xmlns:pc="http://schemas.microsoft.com/office/powerpoint/2013/main/command">
+  <pc:docChgLst>
+    <pc:chgData name="Martin Kulov" userId="ef1e485ad48d3184" providerId="LiveId" clId="{C73B08BA-54A5-45EC-A1EA-C3F45019A129}"/>
+  </pc:docChgLst>
   <pc:docChgLst>
     <pc:chgData name="Nikolay Dermendzhiev" userId="bcba64b7601bcff1" providerId="LiveId" clId="{332DD6E6-C5C5-4CE2-BE61-FA3E364D0244}"/>
     <pc:docChg chg="modSld">
@@ -435,9 +438,6 @@
         </pc:sldLayoutChg>
       </pc:sldMasterChg>
     </pc:docChg>
-  </pc:docChgLst>
-  <pc:docChgLst>
-    <pc:chgData name="Martin Kulov" userId="ef1e485ad48d3184" providerId="LiveId" clId="{C73B08BA-54A5-45EC-A1EA-C3F45019A129}"/>
   </pc:docChgLst>
 </pc:chgInfo>
 </file>
@@ -9023,7 +9023,7 @@
               <a:rPr lang="en-US" sz="1800" dirty="0">
                 <a:hlinkClick r:id="rId2"/>
               </a:rPr>
-              <a:t>https://bit.ly/dotnetconf-sofia-blazor</a:t>
+              <a:t>https://bit.ly/sofia-dotnetconf-blazor</a:t>
             </a:r>
             <a:endParaRPr lang="en-US" sz="1800" dirty="0"/>
           </a:p>

--- a/2019 Nov - Blazor Sneak Peek/slides.pptx
+++ b/2019 Nov - Blazor Sneak Peek/slides.pptx
@@ -134,103 +134,18 @@
 </p:presentation>
 </file>
 
+<file path=ppt/revisionInfo.xml><?xml version="1.0" encoding="utf-8"?>
+<p1510:revInfo xmlns:a="http://schemas.openxmlformats.org/drawingml/2006/main" xmlns:r="http://schemas.openxmlformats.org/officeDocument/2006/relationships" xmlns:p1510="http://schemas.microsoft.com/office/powerpoint/2015/10/main">
+  <p1510:revLst>
+    <p1510:client id="{22C82F3F-56CA-49F7-B176-C73E64CB6BF8}" v="1" dt="2019-11-04T09:24:46.839"/>
+  </p1510:revLst>
+</p1510:revInfo>
+</file>
+
 <file path=ppt/changesInfos/changesInfo1.xml><?xml version="1.0" encoding="utf-8"?>
 <pc:chgInfo xmlns:a="http://schemas.openxmlformats.org/drawingml/2006/main" xmlns:r="http://schemas.openxmlformats.org/officeDocument/2006/relationships" xmlns:ac="http://schemas.microsoft.com/office/drawing/2013/main/command" xmlns:pc="http://schemas.microsoft.com/office/powerpoint/2013/main/command">
   <pc:docChgLst>
     <pc:chgData name="Martin Kulov" userId="ef1e485ad48d3184" providerId="LiveId" clId="{C73B08BA-54A5-45EC-A1EA-C3F45019A129}"/>
-  </pc:docChgLst>
-  <pc:docChgLst>
-    <pc:chgData name="Nikolay Dermendzhiev" userId="bcba64b7601bcff1" providerId="LiveId" clId="{332DD6E6-C5C5-4CE2-BE61-FA3E364D0244}"/>
-    <pc:docChg chg="modSld">
-      <pc:chgData name="Nikolay Dermendzhiev" userId="bcba64b7601bcff1" providerId="LiveId" clId="{332DD6E6-C5C5-4CE2-BE61-FA3E364D0244}" dt="2019-11-06T09:53:26.956" v="27" actId="5793"/>
-      <pc:docMkLst>
-        <pc:docMk/>
-      </pc:docMkLst>
-      <pc:sldChg chg="modNotesTx">
-        <pc:chgData name="Nikolay Dermendzhiev" userId="bcba64b7601bcff1" providerId="LiveId" clId="{332DD6E6-C5C5-4CE2-BE61-FA3E364D0244}" dt="2019-11-06T09:52:38.116" v="1" actId="5793"/>
-        <pc:sldMkLst>
-          <pc:docMk/>
-          <pc:sldMk cId="69137343" sldId="256"/>
-        </pc:sldMkLst>
-      </pc:sldChg>
-      <pc:sldChg chg="modNotesTx">
-        <pc:chgData name="Nikolay Dermendzhiev" userId="bcba64b7601bcff1" providerId="LiveId" clId="{332DD6E6-C5C5-4CE2-BE61-FA3E364D0244}" dt="2019-11-06T09:52:45.381" v="4" actId="20577"/>
-        <pc:sldMkLst>
-          <pc:docMk/>
-          <pc:sldMk cId="1221543837" sldId="257"/>
-        </pc:sldMkLst>
-      </pc:sldChg>
-      <pc:sldChg chg="modNotesTx">
-        <pc:chgData name="Nikolay Dermendzhiev" userId="bcba64b7601bcff1" providerId="LiveId" clId="{332DD6E6-C5C5-4CE2-BE61-FA3E364D0244}" dt="2019-11-06T09:52:42.210" v="3" actId="5793"/>
-        <pc:sldMkLst>
-          <pc:docMk/>
-          <pc:sldMk cId="3127168096" sldId="259"/>
-        </pc:sldMkLst>
-      </pc:sldChg>
-      <pc:sldChg chg="modNotesTx">
-        <pc:chgData name="Nikolay Dermendzhiev" userId="bcba64b7601bcff1" providerId="LiveId" clId="{332DD6E6-C5C5-4CE2-BE61-FA3E364D0244}" dt="2019-11-06T09:52:50.100" v="6" actId="5793"/>
-        <pc:sldMkLst>
-          <pc:docMk/>
-          <pc:sldMk cId="3078043019" sldId="261"/>
-        </pc:sldMkLst>
-      </pc:sldChg>
-      <pc:sldChg chg="modNotesTx">
-        <pc:chgData name="Nikolay Dermendzhiev" userId="bcba64b7601bcff1" providerId="LiveId" clId="{332DD6E6-C5C5-4CE2-BE61-FA3E364D0244}" dt="2019-11-06T09:52:59.786" v="16" actId="5793"/>
-        <pc:sldMkLst>
-          <pc:docMk/>
-          <pc:sldMk cId="2965591346" sldId="262"/>
-        </pc:sldMkLst>
-      </pc:sldChg>
-      <pc:sldChg chg="modNotesTx">
-        <pc:chgData name="Nikolay Dermendzhiev" userId="bcba64b7601bcff1" providerId="LiveId" clId="{332DD6E6-C5C5-4CE2-BE61-FA3E364D0244}" dt="2019-11-06T09:52:54.490" v="12" actId="20577"/>
-        <pc:sldMkLst>
-          <pc:docMk/>
-          <pc:sldMk cId="3328457738" sldId="263"/>
-        </pc:sldMkLst>
-      </pc:sldChg>
-      <pc:sldChg chg="modNotesTx">
-        <pc:chgData name="Nikolay Dermendzhiev" userId="bcba64b7601bcff1" providerId="LiveId" clId="{332DD6E6-C5C5-4CE2-BE61-FA3E364D0244}" dt="2019-11-06T09:52:57.130" v="14" actId="5793"/>
-        <pc:sldMkLst>
-          <pc:docMk/>
-          <pc:sldMk cId="3993011456" sldId="264"/>
-        </pc:sldMkLst>
-      </pc:sldChg>
-      <pc:sldChg chg="modNotesTx">
-        <pc:chgData name="Nikolay Dermendzhiev" userId="bcba64b7601bcff1" providerId="LiveId" clId="{332DD6E6-C5C5-4CE2-BE61-FA3E364D0244}" dt="2019-11-06T09:53:06.864" v="19" actId="20577"/>
-        <pc:sldMkLst>
-          <pc:docMk/>
-          <pc:sldMk cId="3743142709" sldId="267"/>
-        </pc:sldMkLst>
-      </pc:sldChg>
-      <pc:sldChg chg="modNotesTx">
-        <pc:chgData name="Nikolay Dermendzhiev" userId="bcba64b7601bcff1" providerId="LiveId" clId="{332DD6E6-C5C5-4CE2-BE61-FA3E364D0244}" dt="2019-11-06T09:53:09.067" v="20" actId="20577"/>
-        <pc:sldMkLst>
-          <pc:docMk/>
-          <pc:sldMk cId="1847647176" sldId="268"/>
-        </pc:sldMkLst>
-      </pc:sldChg>
-      <pc:sldChg chg="modNotesTx">
-        <pc:chgData name="Nikolay Dermendzhiev" userId="bcba64b7601bcff1" providerId="LiveId" clId="{332DD6E6-C5C5-4CE2-BE61-FA3E364D0244}" dt="2019-11-06T09:53:17.723" v="25" actId="5793"/>
-        <pc:sldMkLst>
-          <pc:docMk/>
-          <pc:sldMk cId="2533940214" sldId="272"/>
-        </pc:sldMkLst>
-      </pc:sldChg>
-      <pc:sldChg chg="modNotesTx">
-        <pc:chgData name="Nikolay Dermendzhiev" userId="bcba64b7601bcff1" providerId="LiveId" clId="{332DD6E6-C5C5-4CE2-BE61-FA3E364D0244}" dt="2019-11-06T09:53:02.036" v="18" actId="5793"/>
-        <pc:sldMkLst>
-          <pc:docMk/>
-          <pc:sldMk cId="2679695109" sldId="279"/>
-        </pc:sldMkLst>
-      </pc:sldChg>
-      <pc:sldChg chg="modNotesTx">
-        <pc:chgData name="Nikolay Dermendzhiev" userId="bcba64b7601bcff1" providerId="LiveId" clId="{332DD6E6-C5C5-4CE2-BE61-FA3E364D0244}" dt="2019-11-06T09:53:26.956" v="27" actId="5793"/>
-        <pc:sldMkLst>
-          <pc:docMk/>
-          <pc:sldMk cId="4134228720" sldId="280"/>
-        </pc:sldMkLst>
-      </pc:sldChg>
-    </pc:docChg>
   </pc:docChgLst>
   <pc:docChgLst>
     <pc:chgData name="Martin Kulov" userId="ef1e485ad48d3184" providerId="LiveId" clId="{22C82F3F-56CA-49F7-B176-C73E64CB6BF8}"/>
@@ -944,7 +859,7 @@
           <a:p>
             <a:fld id="{4E8A54D2-1906-4E6F-87FA-B21CBC57671C}" type="slidenum">
               <a:rPr lang="en-US" smtClean="0"/>
-              <a:t>12</a:t>
+              <a:t>10</a:t>
             </a:fld>
             <a:endParaRPr lang="en-US"/>
           </a:p>
@@ -953,7 +868,7 @@
     </p:spTree>
     <p:extLst>
       <p:ext uri="{BB962C8B-B14F-4D97-AF65-F5344CB8AC3E}">
-        <p14:creationId xmlns:p14="http://schemas.microsoft.com/office/powerpoint/2010/main" val="3664165712"/>
+        <p14:creationId xmlns:p14="http://schemas.microsoft.com/office/powerpoint/2010/main" val="2273526999"/>
       </p:ext>
     </p:extLst>
   </p:cSld>
@@ -1028,7 +943,7 @@
           <a:p>
             <a:fld id="{4E8A54D2-1906-4E6F-87FA-B21CBC57671C}" type="slidenum">
               <a:rPr lang="en-US" smtClean="0"/>
-              <a:t>13</a:t>
+              <a:t>11</a:t>
             </a:fld>
             <a:endParaRPr lang="en-US"/>
           </a:p>
@@ -1037,7 +952,7 @@
     </p:spTree>
     <p:extLst>
       <p:ext uri="{BB962C8B-B14F-4D97-AF65-F5344CB8AC3E}">
-        <p14:creationId xmlns:p14="http://schemas.microsoft.com/office/powerpoint/2010/main" val="1110125650"/>
+        <p14:creationId xmlns:p14="http://schemas.microsoft.com/office/powerpoint/2010/main" val="1321639733"/>
       </p:ext>
     </p:extLst>
   </p:cSld>
@@ -1091,10 +1006,6 @@
           <a:bodyPr/>
           <a:lstStyle/>
           <a:p>
-            <a:pPr marL="0" indent="0">
-              <a:buFont typeface="Arial" panose="020B0604020202020204" pitchFamily="34" charset="0"/>
-              <a:buNone/>
-            </a:pPr>
             <a:endParaRPr lang="en-US" dirty="0"/>
           </a:p>
         </p:txBody>
@@ -1116,7 +1027,7 @@
           <a:p>
             <a:fld id="{4E8A54D2-1906-4E6F-87FA-B21CBC57671C}" type="slidenum">
               <a:rPr lang="en-US" smtClean="0"/>
-              <a:t>14</a:t>
+              <a:t>12</a:t>
             </a:fld>
             <a:endParaRPr lang="en-US"/>
           </a:p>
@@ -1125,7 +1036,7 @@
     </p:spTree>
     <p:extLst>
       <p:ext uri="{BB962C8B-B14F-4D97-AF65-F5344CB8AC3E}">
-        <p14:creationId xmlns:p14="http://schemas.microsoft.com/office/powerpoint/2010/main" val="3033294340"/>
+        <p14:creationId xmlns:p14="http://schemas.microsoft.com/office/powerpoint/2010/main" val="3664165712"/>
       </p:ext>
     </p:extLst>
   </p:cSld>
@@ -1179,10 +1090,6 @@
           <a:bodyPr/>
           <a:lstStyle/>
           <a:p>
-            <a:pPr marL="0" indent="0">
-              <a:buFont typeface="Arial" panose="020B0604020202020204" pitchFamily="34" charset="0"/>
-              <a:buNone/>
-            </a:pPr>
             <a:endParaRPr lang="en-US" dirty="0"/>
           </a:p>
         </p:txBody>
@@ -1204,6 +1111,266 @@
           <a:p>
             <a:fld id="{4E8A54D2-1906-4E6F-87FA-B21CBC57671C}" type="slidenum">
               <a:rPr lang="en-US" smtClean="0"/>
+              <a:t>13</a:t>
+            </a:fld>
+            <a:endParaRPr lang="en-US"/>
+          </a:p>
+        </p:txBody>
+      </p:sp>
+    </p:spTree>
+    <p:extLst>
+      <p:ext uri="{BB962C8B-B14F-4D97-AF65-F5344CB8AC3E}">
+        <p14:creationId xmlns:p14="http://schemas.microsoft.com/office/powerpoint/2010/main" val="1110125650"/>
+      </p:ext>
+    </p:extLst>
+  </p:cSld>
+  <p:clrMapOvr>
+    <a:masterClrMapping/>
+  </p:clrMapOvr>
+</p:notes>
+</file>
+
+<file path=ppt/notesSlides/notesSlide14.xml><?xml version="1.0" encoding="utf-8"?>
+<p:notes xmlns:a="http://schemas.openxmlformats.org/drawingml/2006/main" xmlns:r="http://schemas.openxmlformats.org/officeDocument/2006/relationships" xmlns:p="http://schemas.openxmlformats.org/presentationml/2006/main">
+  <p:cSld>
+    <p:spTree>
+      <p:nvGrpSpPr>
+        <p:cNvPr id="1" name=""/>
+        <p:cNvGrpSpPr/>
+        <p:nvPr/>
+      </p:nvGrpSpPr>
+      <p:grpSpPr>
+        <a:xfrm>
+          <a:off x="0" y="0"/>
+          <a:ext cx="0" cy="0"/>
+          <a:chOff x="0" y="0"/>
+          <a:chExt cx="0" cy="0"/>
+        </a:xfrm>
+      </p:grpSpPr>
+      <p:sp>
+        <p:nvSpPr>
+          <p:cNvPr id="2" name="Slide Image Placeholder 1"/>
+          <p:cNvSpPr>
+            <a:spLocks noGrp="1" noRot="1" noChangeAspect="1"/>
+          </p:cNvSpPr>
+          <p:nvPr>
+            <p:ph type="sldImg"/>
+          </p:nvPr>
+        </p:nvSpPr>
+        <p:spPr/>
+      </p:sp>
+      <p:sp>
+        <p:nvSpPr>
+          <p:cNvPr id="3" name="Notes Placeholder 2"/>
+          <p:cNvSpPr>
+            <a:spLocks noGrp="1"/>
+          </p:cNvSpPr>
+          <p:nvPr>
+            <p:ph type="body" idx="1"/>
+          </p:nvPr>
+        </p:nvSpPr>
+        <p:spPr/>
+        <p:txBody>
+          <a:bodyPr/>
+          <a:lstStyle/>
+          <a:p>
+            <a:pPr marL="0" indent="0">
+              <a:buFont typeface="Arial" panose="020B0604020202020204" pitchFamily="34" charset="0"/>
+              <a:buNone/>
+            </a:pPr>
+            <a:endParaRPr lang="en-US" dirty="0"/>
+          </a:p>
+        </p:txBody>
+      </p:sp>
+      <p:sp>
+        <p:nvSpPr>
+          <p:cNvPr id="4" name="Slide Number Placeholder 3"/>
+          <p:cNvSpPr>
+            <a:spLocks noGrp="1"/>
+          </p:cNvSpPr>
+          <p:nvPr>
+            <p:ph type="sldNum" sz="quarter" idx="5"/>
+          </p:nvPr>
+        </p:nvSpPr>
+        <p:spPr/>
+        <p:txBody>
+          <a:bodyPr/>
+          <a:lstStyle/>
+          <a:p>
+            <a:fld id="{4E8A54D2-1906-4E6F-87FA-B21CBC57671C}" type="slidenum">
+              <a:rPr lang="en-US" smtClean="0"/>
+              <a:t>14</a:t>
+            </a:fld>
+            <a:endParaRPr lang="en-US"/>
+          </a:p>
+        </p:txBody>
+      </p:sp>
+    </p:spTree>
+    <p:extLst>
+      <p:ext uri="{BB962C8B-B14F-4D97-AF65-F5344CB8AC3E}">
+        <p14:creationId xmlns:p14="http://schemas.microsoft.com/office/powerpoint/2010/main" val="3033294340"/>
+      </p:ext>
+    </p:extLst>
+  </p:cSld>
+  <p:clrMapOvr>
+    <a:masterClrMapping/>
+  </p:clrMapOvr>
+</p:notes>
+</file>
+
+<file path=ppt/notesSlides/notesSlide15.xml><?xml version="1.0" encoding="utf-8"?>
+<p:notes xmlns:a="http://schemas.openxmlformats.org/drawingml/2006/main" xmlns:r="http://schemas.openxmlformats.org/officeDocument/2006/relationships" xmlns:p="http://schemas.openxmlformats.org/presentationml/2006/main">
+  <p:cSld>
+    <p:spTree>
+      <p:nvGrpSpPr>
+        <p:cNvPr id="1" name=""/>
+        <p:cNvGrpSpPr/>
+        <p:nvPr/>
+      </p:nvGrpSpPr>
+      <p:grpSpPr>
+        <a:xfrm>
+          <a:off x="0" y="0"/>
+          <a:ext cx="0" cy="0"/>
+          <a:chOff x="0" y="0"/>
+          <a:chExt cx="0" cy="0"/>
+        </a:xfrm>
+      </p:grpSpPr>
+      <p:sp>
+        <p:nvSpPr>
+          <p:cNvPr id="2" name="Slide Image Placeholder 1"/>
+          <p:cNvSpPr>
+            <a:spLocks noGrp="1" noRot="1" noChangeAspect="1"/>
+          </p:cNvSpPr>
+          <p:nvPr>
+            <p:ph type="sldImg"/>
+          </p:nvPr>
+        </p:nvSpPr>
+        <p:spPr/>
+      </p:sp>
+      <p:sp>
+        <p:nvSpPr>
+          <p:cNvPr id="3" name="Notes Placeholder 2"/>
+          <p:cNvSpPr>
+            <a:spLocks noGrp="1"/>
+          </p:cNvSpPr>
+          <p:nvPr>
+            <p:ph type="body" idx="1"/>
+          </p:nvPr>
+        </p:nvSpPr>
+        <p:spPr/>
+        <p:txBody>
+          <a:bodyPr/>
+          <a:lstStyle/>
+          <a:p>
+            <a:endParaRPr lang="en-US" dirty="0"/>
+          </a:p>
+        </p:txBody>
+      </p:sp>
+      <p:sp>
+        <p:nvSpPr>
+          <p:cNvPr id="4" name="Slide Number Placeholder 3"/>
+          <p:cNvSpPr>
+            <a:spLocks noGrp="1"/>
+          </p:cNvSpPr>
+          <p:nvPr>
+            <p:ph type="sldNum" sz="quarter" idx="5"/>
+          </p:nvPr>
+        </p:nvSpPr>
+        <p:spPr/>
+        <p:txBody>
+          <a:bodyPr/>
+          <a:lstStyle/>
+          <a:p>
+            <a:fld id="{4E8A54D2-1906-4E6F-87FA-B21CBC57671C}" type="slidenum">
+              <a:rPr lang="en-US" smtClean="0"/>
+              <a:t>15</a:t>
+            </a:fld>
+            <a:endParaRPr lang="en-US"/>
+          </a:p>
+        </p:txBody>
+      </p:sp>
+    </p:spTree>
+    <p:extLst>
+      <p:ext uri="{BB962C8B-B14F-4D97-AF65-F5344CB8AC3E}">
+        <p14:creationId xmlns:p14="http://schemas.microsoft.com/office/powerpoint/2010/main" val="3078937032"/>
+      </p:ext>
+    </p:extLst>
+  </p:cSld>
+  <p:clrMapOvr>
+    <a:masterClrMapping/>
+  </p:clrMapOvr>
+</p:notes>
+</file>
+
+<file path=ppt/notesSlides/notesSlide16.xml><?xml version="1.0" encoding="utf-8"?>
+<p:notes xmlns:a="http://schemas.openxmlformats.org/drawingml/2006/main" xmlns:r="http://schemas.openxmlformats.org/officeDocument/2006/relationships" xmlns:p="http://schemas.openxmlformats.org/presentationml/2006/main">
+  <p:cSld>
+    <p:spTree>
+      <p:nvGrpSpPr>
+        <p:cNvPr id="1" name=""/>
+        <p:cNvGrpSpPr/>
+        <p:nvPr/>
+      </p:nvGrpSpPr>
+      <p:grpSpPr>
+        <a:xfrm>
+          <a:off x="0" y="0"/>
+          <a:ext cx="0" cy="0"/>
+          <a:chOff x="0" y="0"/>
+          <a:chExt cx="0" cy="0"/>
+        </a:xfrm>
+      </p:grpSpPr>
+      <p:sp>
+        <p:nvSpPr>
+          <p:cNvPr id="2" name="Slide Image Placeholder 1"/>
+          <p:cNvSpPr>
+            <a:spLocks noGrp="1" noRot="1" noChangeAspect="1"/>
+          </p:cNvSpPr>
+          <p:nvPr>
+            <p:ph type="sldImg"/>
+          </p:nvPr>
+        </p:nvSpPr>
+        <p:spPr/>
+      </p:sp>
+      <p:sp>
+        <p:nvSpPr>
+          <p:cNvPr id="3" name="Notes Placeholder 2"/>
+          <p:cNvSpPr>
+            <a:spLocks noGrp="1"/>
+          </p:cNvSpPr>
+          <p:nvPr>
+            <p:ph type="body" idx="1"/>
+          </p:nvPr>
+        </p:nvSpPr>
+        <p:spPr/>
+        <p:txBody>
+          <a:bodyPr/>
+          <a:lstStyle/>
+          <a:p>
+            <a:pPr marL="0" indent="0">
+              <a:buFont typeface="Arial" panose="020B0604020202020204" pitchFamily="34" charset="0"/>
+              <a:buNone/>
+            </a:pPr>
+            <a:endParaRPr lang="en-US" dirty="0"/>
+          </a:p>
+        </p:txBody>
+      </p:sp>
+      <p:sp>
+        <p:nvSpPr>
+          <p:cNvPr id="4" name="Slide Number Placeholder 3"/>
+          <p:cNvSpPr>
+            <a:spLocks noGrp="1"/>
+          </p:cNvSpPr>
+          <p:nvPr>
+            <p:ph type="sldNum" sz="quarter" idx="5"/>
+          </p:nvPr>
+        </p:nvSpPr>
+        <p:spPr/>
+        <p:txBody>
+          <a:bodyPr/>
+          <a:lstStyle/>
+          <a:p>
+            <a:fld id="{4E8A54D2-1906-4E6F-87FA-B21CBC57671C}" type="slidenum">
+              <a:rPr lang="en-US" smtClean="0"/>
               <a:t>16</a:t>
             </a:fld>
             <a:endParaRPr lang="en-US"/>
@@ -1214,6 +1381,90 @@
     <p:extLst>
       <p:ext uri="{BB962C8B-B14F-4D97-AF65-F5344CB8AC3E}">
         <p14:creationId xmlns:p14="http://schemas.microsoft.com/office/powerpoint/2010/main" val="3579010716"/>
+      </p:ext>
+    </p:extLst>
+  </p:cSld>
+  <p:clrMapOvr>
+    <a:masterClrMapping/>
+  </p:clrMapOvr>
+</p:notes>
+</file>
+
+<file path=ppt/notesSlides/notesSlide17.xml><?xml version="1.0" encoding="utf-8"?>
+<p:notes xmlns:a="http://schemas.openxmlformats.org/drawingml/2006/main" xmlns:r="http://schemas.openxmlformats.org/officeDocument/2006/relationships" xmlns:p="http://schemas.openxmlformats.org/presentationml/2006/main">
+  <p:cSld>
+    <p:spTree>
+      <p:nvGrpSpPr>
+        <p:cNvPr id="1" name=""/>
+        <p:cNvGrpSpPr/>
+        <p:nvPr/>
+      </p:nvGrpSpPr>
+      <p:grpSpPr>
+        <a:xfrm>
+          <a:off x="0" y="0"/>
+          <a:ext cx="0" cy="0"/>
+          <a:chOff x="0" y="0"/>
+          <a:chExt cx="0" cy="0"/>
+        </a:xfrm>
+      </p:grpSpPr>
+      <p:sp>
+        <p:nvSpPr>
+          <p:cNvPr id="2" name="Slide Image Placeholder 1"/>
+          <p:cNvSpPr>
+            <a:spLocks noGrp="1" noRot="1" noChangeAspect="1"/>
+          </p:cNvSpPr>
+          <p:nvPr>
+            <p:ph type="sldImg"/>
+          </p:nvPr>
+        </p:nvSpPr>
+        <p:spPr/>
+      </p:sp>
+      <p:sp>
+        <p:nvSpPr>
+          <p:cNvPr id="3" name="Notes Placeholder 2"/>
+          <p:cNvSpPr>
+            <a:spLocks noGrp="1"/>
+          </p:cNvSpPr>
+          <p:nvPr>
+            <p:ph type="body" idx="1"/>
+          </p:nvPr>
+        </p:nvSpPr>
+        <p:spPr/>
+        <p:txBody>
+          <a:bodyPr/>
+          <a:lstStyle/>
+          <a:p>
+            <a:endParaRPr lang="en-US" dirty="0"/>
+          </a:p>
+        </p:txBody>
+      </p:sp>
+      <p:sp>
+        <p:nvSpPr>
+          <p:cNvPr id="4" name="Slide Number Placeholder 3"/>
+          <p:cNvSpPr>
+            <a:spLocks noGrp="1"/>
+          </p:cNvSpPr>
+          <p:nvPr>
+            <p:ph type="sldNum" sz="quarter" idx="5"/>
+          </p:nvPr>
+        </p:nvSpPr>
+        <p:spPr/>
+        <p:txBody>
+          <a:bodyPr/>
+          <a:lstStyle/>
+          <a:p>
+            <a:fld id="{4E8A54D2-1906-4E6F-87FA-B21CBC57671C}" type="slidenum">
+              <a:rPr lang="en-US" smtClean="0"/>
+              <a:t>17</a:t>
+            </a:fld>
+            <a:endParaRPr lang="en-US"/>
+          </a:p>
+        </p:txBody>
+      </p:sp>
+    </p:spTree>
+    <p:extLst>
+      <p:ext uri="{BB962C8B-B14F-4D97-AF65-F5344CB8AC3E}">
+        <p14:creationId xmlns:p14="http://schemas.microsoft.com/office/powerpoint/2010/main" val="4047263855"/>
       </p:ext>
     </p:extLst>
   </p:cSld>
@@ -1439,11 +1690,7 @@
           <a:bodyPr/>
           <a:lstStyle/>
           <a:p>
-            <a:pPr marL="0" indent="0">
-              <a:buFont typeface="Arial" panose="020B0604020202020204" pitchFamily="34" charset="0"/>
-              <a:buNone/>
-            </a:pPr>
-            <a:endParaRPr lang="en-US" sz="1200" dirty="0"/>
+            <a:endParaRPr lang="en-US" dirty="0"/>
           </a:p>
         </p:txBody>
       </p:sp>
@@ -1464,7 +1711,7 @@
           <a:p>
             <a:fld id="{4E8A54D2-1906-4E6F-87FA-B21CBC57671C}" type="slidenum">
               <a:rPr lang="en-US" smtClean="0"/>
-              <a:t>5</a:t>
+              <a:t>4</a:t>
             </a:fld>
             <a:endParaRPr lang="en-US"/>
           </a:p>
@@ -1473,7 +1720,7 @@
     </p:spTree>
     <p:extLst>
       <p:ext uri="{BB962C8B-B14F-4D97-AF65-F5344CB8AC3E}">
-        <p14:creationId xmlns:p14="http://schemas.microsoft.com/office/powerpoint/2010/main" val="2903037715"/>
+        <p14:creationId xmlns:p14="http://schemas.microsoft.com/office/powerpoint/2010/main" val="1213472057"/>
       </p:ext>
     </p:extLst>
   </p:cSld>
@@ -1527,7 +1774,11 @@
           <a:bodyPr/>
           <a:lstStyle/>
           <a:p>
-            <a:endParaRPr lang="en-US" dirty="0"/>
+            <a:pPr marL="0" indent="0">
+              <a:buFont typeface="Arial" panose="020B0604020202020204" pitchFamily="34" charset="0"/>
+              <a:buNone/>
+            </a:pPr>
+            <a:endParaRPr lang="en-US" sz="1200" dirty="0"/>
           </a:p>
         </p:txBody>
       </p:sp>
@@ -1548,7 +1799,7 @@
           <a:p>
             <a:fld id="{4E8A54D2-1906-4E6F-87FA-B21CBC57671C}" type="slidenum">
               <a:rPr lang="en-US" smtClean="0"/>
-              <a:t>6</a:t>
+              <a:t>5</a:t>
             </a:fld>
             <a:endParaRPr lang="en-US"/>
           </a:p>
@@ -1557,7 +1808,7 @@
     </p:spTree>
     <p:extLst>
       <p:ext uri="{BB962C8B-B14F-4D97-AF65-F5344CB8AC3E}">
-        <p14:creationId xmlns:p14="http://schemas.microsoft.com/office/powerpoint/2010/main" val="3322908705"/>
+        <p14:creationId xmlns:p14="http://schemas.microsoft.com/office/powerpoint/2010/main" val="2903037715"/>
       </p:ext>
     </p:extLst>
   </p:cSld>
@@ -1611,10 +1862,6 @@
           <a:bodyPr/>
           <a:lstStyle/>
           <a:p>
-            <a:pPr marL="0" indent="0">
-              <a:buFont typeface="Arial" panose="020B0604020202020204" pitchFamily="34" charset="0"/>
-              <a:buNone/>
-            </a:pPr>
             <a:endParaRPr lang="en-US" dirty="0"/>
           </a:p>
         </p:txBody>
@@ -1636,7 +1883,7 @@
           <a:p>
             <a:fld id="{4E8A54D2-1906-4E6F-87FA-B21CBC57671C}" type="slidenum">
               <a:rPr lang="en-US" smtClean="0"/>
-              <a:t>7</a:t>
+              <a:t>6</a:t>
             </a:fld>
             <a:endParaRPr lang="en-US"/>
           </a:p>
@@ -1645,7 +1892,7 @@
     </p:spTree>
     <p:extLst>
       <p:ext uri="{BB962C8B-B14F-4D97-AF65-F5344CB8AC3E}">
-        <p14:creationId xmlns:p14="http://schemas.microsoft.com/office/powerpoint/2010/main" val="863488442"/>
+        <p14:creationId xmlns:p14="http://schemas.microsoft.com/office/powerpoint/2010/main" val="3322908705"/>
       </p:ext>
     </p:extLst>
   </p:cSld>
@@ -1699,7 +1946,7 @@
           <a:bodyPr/>
           <a:lstStyle/>
           <a:p>
-            <a:pPr marL="0" lvl="0" indent="0">
+            <a:pPr marL="0" indent="0">
               <a:buFont typeface="Arial" panose="020B0604020202020204" pitchFamily="34" charset="0"/>
               <a:buNone/>
             </a:pPr>
@@ -1724,7 +1971,7 @@
           <a:p>
             <a:fld id="{4E8A54D2-1906-4E6F-87FA-B21CBC57671C}" type="slidenum">
               <a:rPr lang="en-US" smtClean="0"/>
-              <a:t>8</a:t>
+              <a:t>7</a:t>
             </a:fld>
             <a:endParaRPr lang="en-US"/>
           </a:p>
@@ -1733,7 +1980,7 @@
     </p:spTree>
     <p:extLst>
       <p:ext uri="{BB962C8B-B14F-4D97-AF65-F5344CB8AC3E}">
-        <p14:creationId xmlns:p14="http://schemas.microsoft.com/office/powerpoint/2010/main" val="1707724153"/>
+        <p14:creationId xmlns:p14="http://schemas.microsoft.com/office/powerpoint/2010/main" val="863488442"/>
       </p:ext>
     </p:extLst>
   </p:cSld>
@@ -1787,7 +2034,7 @@
           <a:bodyPr/>
           <a:lstStyle/>
           <a:p>
-            <a:pPr marL="0" indent="0">
+            <a:pPr marL="0" lvl="0" indent="0">
               <a:buFont typeface="Arial" panose="020B0604020202020204" pitchFamily="34" charset="0"/>
               <a:buNone/>
             </a:pPr>
@@ -1812,7 +2059,7 @@
           <a:p>
             <a:fld id="{4E8A54D2-1906-4E6F-87FA-B21CBC57671C}" type="slidenum">
               <a:rPr lang="en-US" smtClean="0"/>
-              <a:t>9</a:t>
+              <a:t>8</a:t>
             </a:fld>
             <a:endParaRPr lang="en-US"/>
           </a:p>
@@ -1821,7 +2068,7 @@
     </p:spTree>
     <p:extLst>
       <p:ext uri="{BB962C8B-B14F-4D97-AF65-F5344CB8AC3E}">
-        <p14:creationId xmlns:p14="http://schemas.microsoft.com/office/powerpoint/2010/main" val="3383367752"/>
+        <p14:creationId xmlns:p14="http://schemas.microsoft.com/office/powerpoint/2010/main" val="1707724153"/>
       </p:ext>
     </p:extLst>
   </p:cSld>
@@ -1875,6 +2122,10 @@
           <a:bodyPr/>
           <a:lstStyle/>
           <a:p>
+            <a:pPr marL="0" indent="0">
+              <a:buFont typeface="Arial" panose="020B0604020202020204" pitchFamily="34" charset="0"/>
+              <a:buNone/>
+            </a:pPr>
             <a:endParaRPr lang="en-US" dirty="0"/>
           </a:p>
         </p:txBody>
@@ -1896,7 +2147,7 @@
           <a:p>
             <a:fld id="{4E8A54D2-1906-4E6F-87FA-B21CBC57671C}" type="slidenum">
               <a:rPr lang="en-US" smtClean="0"/>
-              <a:t>10</a:t>
+              <a:t>9</a:t>
             </a:fld>
             <a:endParaRPr lang="en-US"/>
           </a:p>
@@ -1905,7 +2156,7 @@
     </p:spTree>
     <p:extLst>
       <p:ext uri="{BB962C8B-B14F-4D97-AF65-F5344CB8AC3E}">
-        <p14:creationId xmlns:p14="http://schemas.microsoft.com/office/powerpoint/2010/main" val="2273526999"/>
+        <p14:creationId xmlns:p14="http://schemas.microsoft.com/office/powerpoint/2010/main" val="3383367752"/>
       </p:ext>
     </p:extLst>
   </p:cSld>
@@ -5971,10 +6222,18 @@
           <a:p>
             <a:r>
               <a:rPr lang="en-US" sz="2400" dirty="0"/>
-              <a:t>Integrated with ASP.NET Core </a:t>
-            </a:r>
-            <a:r>
-              <a:rPr lang="en-US" sz="2400" dirty="0" err="1"/>
+              <a:t>Integrated with </a:t>
+            </a:r>
+            <a:r>
+              <a:rPr lang="en-US" sz="2400" dirty="0">
+                <a:hlinkClick r:id="rId3"/>
+              </a:rPr>
+              <a:t>ASP.NET Core </a:t>
+            </a:r>
+            <a:r>
+              <a:rPr lang="en-US" sz="2400" dirty="0" err="1">
+                <a:hlinkClick r:id="rId3"/>
+              </a:rPr>
               <a:t>SignalR</a:t>
             </a:r>
             <a:endParaRPr lang="en-US" sz="2400" dirty="0"/>
@@ -7377,7 +7636,7 @@
                                           </p:stCondLst>
                                         </p:cTn>
                                         <p:tgtEl>
-                                          <p:spTgt spid="4"/>
+                                          <p:spTgt spid="5"/>
                                         </p:tgtEl>
                                         <p:attrNameLst>
                                           <p:attrName>style.visibility</p:attrName>
@@ -7409,7 +7668,7 @@
                             </p:stCondLst>
                             <p:childTnLst>
                               <p:par>
-                                <p:cTn id="11" presetID="1" presetClass="entr" presetSubtype="0" fill="hold" grpId="0" nodeType="clickEffect">
+                                <p:cTn id="11" presetID="1" presetClass="entr" presetSubtype="0" fill="hold" nodeType="clickEffect">
                                   <p:stCondLst>
                                     <p:cond delay="0"/>
                                   </p:stCondLst>
@@ -7422,7 +7681,11 @@
                                           </p:stCondLst>
                                         </p:cTn>
                                         <p:tgtEl>
-                                          <p:spTgt spid="5"/>
+                                          <p:spTgt spid="4">
+                                            <p:txEl>
+                                              <p:pRg st="0" end="0"/>
+                                            </p:txEl>
+                                          </p:spTgt>
                                         </p:tgtEl>
                                         <p:attrNameLst>
                                           <p:attrName>style.visibility</p:attrName>
@@ -7436,7 +7699,7 @@
                                 </p:cTn>
                               </p:par>
                               <p:par>
-                                <p:cTn id="13" presetID="1" presetClass="entr" presetSubtype="0" fill="hold" grpId="0" nodeType="withEffect">
+                                <p:cTn id="13" presetID="1" presetClass="entr" presetSubtype="0" fill="hold" nodeType="withEffect">
                                   <p:stCondLst>
                                     <p:cond delay="0"/>
                                   </p:stCondLst>
@@ -7449,7 +7712,499 @@
                                           </p:stCondLst>
                                         </p:cTn>
                                         <p:tgtEl>
-                                          <p:spTgt spid="6"/>
+                                          <p:spTgt spid="4">
+                                            <p:txEl>
+                                              <p:pRg st="1" end="1"/>
+                                            </p:txEl>
+                                          </p:spTgt>
+                                        </p:tgtEl>
+                                        <p:attrNameLst>
+                                          <p:attrName>style.visibility</p:attrName>
+                                        </p:attrNameLst>
+                                      </p:cBhvr>
+                                      <p:to>
+                                        <p:strVal val="visible"/>
+                                      </p:to>
+                                    </p:set>
+                                  </p:childTnLst>
+                                </p:cTn>
+                              </p:par>
+                              <p:par>
+                                <p:cTn id="15" presetID="1" presetClass="entr" presetSubtype="0" fill="hold" nodeType="withEffect">
+                                  <p:stCondLst>
+                                    <p:cond delay="0"/>
+                                  </p:stCondLst>
+                                  <p:childTnLst>
+                                    <p:set>
+                                      <p:cBhvr>
+                                        <p:cTn id="16" dur="1" fill="hold">
+                                          <p:stCondLst>
+                                            <p:cond delay="0"/>
+                                          </p:stCondLst>
+                                        </p:cTn>
+                                        <p:tgtEl>
+                                          <p:spTgt spid="4">
+                                            <p:txEl>
+                                              <p:pRg st="2" end="2"/>
+                                            </p:txEl>
+                                          </p:spTgt>
+                                        </p:tgtEl>
+                                        <p:attrNameLst>
+                                          <p:attrName>style.visibility</p:attrName>
+                                        </p:attrNameLst>
+                                      </p:cBhvr>
+                                      <p:to>
+                                        <p:strVal val="visible"/>
+                                      </p:to>
+                                    </p:set>
+                                  </p:childTnLst>
+                                </p:cTn>
+                              </p:par>
+                              <p:par>
+                                <p:cTn id="17" presetID="1" presetClass="entr" presetSubtype="0" fill="hold" nodeType="withEffect">
+                                  <p:stCondLst>
+                                    <p:cond delay="0"/>
+                                  </p:stCondLst>
+                                  <p:childTnLst>
+                                    <p:set>
+                                      <p:cBhvr>
+                                        <p:cTn id="18" dur="1" fill="hold">
+                                          <p:stCondLst>
+                                            <p:cond delay="0"/>
+                                          </p:stCondLst>
+                                        </p:cTn>
+                                        <p:tgtEl>
+                                          <p:spTgt spid="4">
+                                            <p:txEl>
+                                              <p:pRg st="3" end="3"/>
+                                            </p:txEl>
+                                          </p:spTgt>
+                                        </p:tgtEl>
+                                        <p:attrNameLst>
+                                          <p:attrName>style.visibility</p:attrName>
+                                        </p:attrNameLst>
+                                      </p:cBhvr>
+                                      <p:to>
+                                        <p:strVal val="visible"/>
+                                      </p:to>
+                                    </p:set>
+                                  </p:childTnLst>
+                                </p:cTn>
+                              </p:par>
+                            </p:childTnLst>
+                          </p:cTn>
+                        </p:par>
+                      </p:childTnLst>
+                    </p:cTn>
+                  </p:par>
+                  <p:par>
+                    <p:cTn id="19" fill="hold">
+                      <p:stCondLst>
+                        <p:cond delay="indefinite"/>
+                      </p:stCondLst>
+                      <p:childTnLst>
+                        <p:par>
+                          <p:cTn id="20" fill="hold">
+                            <p:stCondLst>
+                              <p:cond delay="0"/>
+                            </p:stCondLst>
+                            <p:childTnLst>
+                              <p:par>
+                                <p:cTn id="21" presetID="1" presetClass="entr" presetSubtype="0" fill="hold" nodeType="clickEffect">
+                                  <p:stCondLst>
+                                    <p:cond delay="0"/>
+                                  </p:stCondLst>
+                                  <p:childTnLst>
+                                    <p:set>
+                                      <p:cBhvr>
+                                        <p:cTn id="22" dur="1" fill="hold">
+                                          <p:stCondLst>
+                                            <p:cond delay="0"/>
+                                          </p:stCondLst>
+                                        </p:cTn>
+                                        <p:tgtEl>
+                                          <p:spTgt spid="4">
+                                            <p:txEl>
+                                              <p:pRg st="5" end="5"/>
+                                            </p:txEl>
+                                          </p:spTgt>
+                                        </p:tgtEl>
+                                        <p:attrNameLst>
+                                          <p:attrName>style.visibility</p:attrName>
+                                        </p:attrNameLst>
+                                      </p:cBhvr>
+                                      <p:to>
+                                        <p:strVal val="visible"/>
+                                      </p:to>
+                                    </p:set>
+                                  </p:childTnLst>
+                                </p:cTn>
+                              </p:par>
+                              <p:par>
+                                <p:cTn id="23" presetID="1" presetClass="entr" presetSubtype="0" fill="hold" nodeType="withEffect">
+                                  <p:stCondLst>
+                                    <p:cond delay="0"/>
+                                  </p:stCondLst>
+                                  <p:childTnLst>
+                                    <p:set>
+                                      <p:cBhvr>
+                                        <p:cTn id="24" dur="1" fill="hold">
+                                          <p:stCondLst>
+                                            <p:cond delay="0"/>
+                                          </p:stCondLst>
+                                        </p:cTn>
+                                        <p:tgtEl>
+                                          <p:spTgt spid="4">
+                                            <p:txEl>
+                                              <p:pRg st="6" end="6"/>
+                                            </p:txEl>
+                                          </p:spTgt>
+                                        </p:tgtEl>
+                                        <p:attrNameLst>
+                                          <p:attrName>style.visibility</p:attrName>
+                                        </p:attrNameLst>
+                                      </p:cBhvr>
+                                      <p:to>
+                                        <p:strVal val="visible"/>
+                                      </p:to>
+                                    </p:set>
+                                  </p:childTnLst>
+                                </p:cTn>
+                              </p:par>
+                              <p:par>
+                                <p:cTn id="25" presetID="1" presetClass="entr" presetSubtype="0" fill="hold" nodeType="withEffect">
+                                  <p:stCondLst>
+                                    <p:cond delay="0"/>
+                                  </p:stCondLst>
+                                  <p:childTnLst>
+                                    <p:set>
+                                      <p:cBhvr>
+                                        <p:cTn id="26" dur="1" fill="hold">
+                                          <p:stCondLst>
+                                            <p:cond delay="0"/>
+                                          </p:stCondLst>
+                                        </p:cTn>
+                                        <p:tgtEl>
+                                          <p:spTgt spid="4">
+                                            <p:txEl>
+                                              <p:pRg st="7" end="7"/>
+                                            </p:txEl>
+                                          </p:spTgt>
+                                        </p:tgtEl>
+                                        <p:attrNameLst>
+                                          <p:attrName>style.visibility</p:attrName>
+                                        </p:attrNameLst>
+                                      </p:cBhvr>
+                                      <p:to>
+                                        <p:strVal val="visible"/>
+                                      </p:to>
+                                    </p:set>
+                                  </p:childTnLst>
+                                </p:cTn>
+                              </p:par>
+                              <p:par>
+                                <p:cTn id="27" presetID="1" presetClass="entr" presetSubtype="0" fill="hold" nodeType="withEffect">
+                                  <p:stCondLst>
+                                    <p:cond delay="0"/>
+                                  </p:stCondLst>
+                                  <p:childTnLst>
+                                    <p:set>
+                                      <p:cBhvr>
+                                        <p:cTn id="28" dur="1" fill="hold">
+                                          <p:stCondLst>
+                                            <p:cond delay="0"/>
+                                          </p:stCondLst>
+                                        </p:cTn>
+                                        <p:tgtEl>
+                                          <p:spTgt spid="4">
+                                            <p:txEl>
+                                              <p:pRg st="8" end="8"/>
+                                            </p:txEl>
+                                          </p:spTgt>
+                                        </p:tgtEl>
+                                        <p:attrNameLst>
+                                          <p:attrName>style.visibility</p:attrName>
+                                        </p:attrNameLst>
+                                      </p:cBhvr>
+                                      <p:to>
+                                        <p:strVal val="visible"/>
+                                      </p:to>
+                                    </p:set>
+                                  </p:childTnLst>
+                                </p:cTn>
+                              </p:par>
+                            </p:childTnLst>
+                          </p:cTn>
+                        </p:par>
+                      </p:childTnLst>
+                    </p:cTn>
+                  </p:par>
+                  <p:par>
+                    <p:cTn id="29" fill="hold">
+                      <p:stCondLst>
+                        <p:cond delay="indefinite"/>
+                      </p:stCondLst>
+                      <p:childTnLst>
+                        <p:par>
+                          <p:cTn id="30" fill="hold">
+                            <p:stCondLst>
+                              <p:cond delay="0"/>
+                            </p:stCondLst>
+                            <p:childTnLst>
+                              <p:par>
+                                <p:cTn id="31" presetID="1" presetClass="entr" presetSubtype="0" fill="hold" nodeType="clickEffect">
+                                  <p:stCondLst>
+                                    <p:cond delay="0"/>
+                                  </p:stCondLst>
+                                  <p:childTnLst>
+                                    <p:set>
+                                      <p:cBhvr>
+                                        <p:cTn id="32" dur="1" fill="hold">
+                                          <p:stCondLst>
+                                            <p:cond delay="0"/>
+                                          </p:stCondLst>
+                                        </p:cTn>
+                                        <p:tgtEl>
+                                          <p:spTgt spid="6">
+                                            <p:txEl>
+                                              <p:pRg st="0" end="0"/>
+                                            </p:txEl>
+                                          </p:spTgt>
+                                        </p:tgtEl>
+                                        <p:attrNameLst>
+                                          <p:attrName>style.visibility</p:attrName>
+                                        </p:attrNameLst>
+                                      </p:cBhvr>
+                                      <p:to>
+                                        <p:strVal val="visible"/>
+                                      </p:to>
+                                    </p:set>
+                                  </p:childTnLst>
+                                </p:cTn>
+                              </p:par>
+                              <p:par>
+                                <p:cTn id="33" presetID="1" presetClass="entr" presetSubtype="0" fill="hold" nodeType="withEffect">
+                                  <p:stCondLst>
+                                    <p:cond delay="0"/>
+                                  </p:stCondLst>
+                                  <p:childTnLst>
+                                    <p:set>
+                                      <p:cBhvr>
+                                        <p:cTn id="34" dur="1" fill="hold">
+                                          <p:stCondLst>
+                                            <p:cond delay="0"/>
+                                          </p:stCondLst>
+                                        </p:cTn>
+                                        <p:tgtEl>
+                                          <p:spTgt spid="6">
+                                            <p:txEl>
+                                              <p:pRg st="1" end="1"/>
+                                            </p:txEl>
+                                          </p:spTgt>
+                                        </p:tgtEl>
+                                        <p:attrNameLst>
+                                          <p:attrName>style.visibility</p:attrName>
+                                        </p:attrNameLst>
+                                      </p:cBhvr>
+                                      <p:to>
+                                        <p:strVal val="visible"/>
+                                      </p:to>
+                                    </p:set>
+                                  </p:childTnLst>
+                                </p:cTn>
+                              </p:par>
+                              <p:par>
+                                <p:cTn id="35" presetID="1" presetClass="entr" presetSubtype="0" fill="hold" nodeType="withEffect">
+                                  <p:stCondLst>
+                                    <p:cond delay="0"/>
+                                  </p:stCondLst>
+                                  <p:childTnLst>
+                                    <p:set>
+                                      <p:cBhvr>
+                                        <p:cTn id="36" dur="1" fill="hold">
+                                          <p:stCondLst>
+                                            <p:cond delay="0"/>
+                                          </p:stCondLst>
+                                        </p:cTn>
+                                        <p:tgtEl>
+                                          <p:spTgt spid="6">
+                                            <p:txEl>
+                                              <p:pRg st="2" end="2"/>
+                                            </p:txEl>
+                                          </p:spTgt>
+                                        </p:tgtEl>
+                                        <p:attrNameLst>
+                                          <p:attrName>style.visibility</p:attrName>
+                                        </p:attrNameLst>
+                                      </p:cBhvr>
+                                      <p:to>
+                                        <p:strVal val="visible"/>
+                                      </p:to>
+                                    </p:set>
+                                  </p:childTnLst>
+                                </p:cTn>
+                              </p:par>
+                              <p:par>
+                                <p:cTn id="37" presetID="1" presetClass="entr" presetSubtype="0" fill="hold" nodeType="withEffect">
+                                  <p:stCondLst>
+                                    <p:cond delay="0"/>
+                                  </p:stCondLst>
+                                  <p:childTnLst>
+                                    <p:set>
+                                      <p:cBhvr>
+                                        <p:cTn id="38" dur="1" fill="hold">
+                                          <p:stCondLst>
+                                            <p:cond delay="0"/>
+                                          </p:stCondLst>
+                                        </p:cTn>
+                                        <p:tgtEl>
+                                          <p:spTgt spid="6">
+                                            <p:txEl>
+                                              <p:pRg st="3" end="3"/>
+                                            </p:txEl>
+                                          </p:spTgt>
+                                        </p:tgtEl>
+                                        <p:attrNameLst>
+                                          <p:attrName>style.visibility</p:attrName>
+                                        </p:attrNameLst>
+                                      </p:cBhvr>
+                                      <p:to>
+                                        <p:strVal val="visible"/>
+                                      </p:to>
+                                    </p:set>
+                                  </p:childTnLst>
+                                </p:cTn>
+                              </p:par>
+                            </p:childTnLst>
+                          </p:cTn>
+                        </p:par>
+                      </p:childTnLst>
+                    </p:cTn>
+                  </p:par>
+                  <p:par>
+                    <p:cTn id="39" fill="hold">
+                      <p:stCondLst>
+                        <p:cond delay="indefinite"/>
+                      </p:stCondLst>
+                      <p:childTnLst>
+                        <p:par>
+                          <p:cTn id="40" fill="hold">
+                            <p:stCondLst>
+                              <p:cond delay="0"/>
+                            </p:stCondLst>
+                            <p:childTnLst>
+                              <p:par>
+                                <p:cTn id="41" presetID="1" presetClass="entr" presetSubtype="0" fill="hold" nodeType="clickEffect">
+                                  <p:stCondLst>
+                                    <p:cond delay="0"/>
+                                  </p:stCondLst>
+                                  <p:childTnLst>
+                                    <p:set>
+                                      <p:cBhvr>
+                                        <p:cTn id="42" dur="1" fill="hold">
+                                          <p:stCondLst>
+                                            <p:cond delay="0"/>
+                                          </p:stCondLst>
+                                        </p:cTn>
+                                        <p:tgtEl>
+                                          <p:spTgt spid="6">
+                                            <p:txEl>
+                                              <p:pRg st="5" end="5"/>
+                                            </p:txEl>
+                                          </p:spTgt>
+                                        </p:tgtEl>
+                                        <p:attrNameLst>
+                                          <p:attrName>style.visibility</p:attrName>
+                                        </p:attrNameLst>
+                                      </p:cBhvr>
+                                      <p:to>
+                                        <p:strVal val="visible"/>
+                                      </p:to>
+                                    </p:set>
+                                  </p:childTnLst>
+                                </p:cTn>
+                              </p:par>
+                              <p:par>
+                                <p:cTn id="43" presetID="1" presetClass="entr" presetSubtype="0" fill="hold" nodeType="withEffect">
+                                  <p:stCondLst>
+                                    <p:cond delay="0"/>
+                                  </p:stCondLst>
+                                  <p:childTnLst>
+                                    <p:set>
+                                      <p:cBhvr>
+                                        <p:cTn id="44" dur="1" fill="hold">
+                                          <p:stCondLst>
+                                            <p:cond delay="0"/>
+                                          </p:stCondLst>
+                                        </p:cTn>
+                                        <p:tgtEl>
+                                          <p:spTgt spid="6">
+                                            <p:txEl>
+                                              <p:pRg st="6" end="6"/>
+                                            </p:txEl>
+                                          </p:spTgt>
+                                        </p:tgtEl>
+                                        <p:attrNameLst>
+                                          <p:attrName>style.visibility</p:attrName>
+                                        </p:attrNameLst>
+                                      </p:cBhvr>
+                                      <p:to>
+                                        <p:strVal val="visible"/>
+                                      </p:to>
+                                    </p:set>
+                                  </p:childTnLst>
+                                </p:cTn>
+                              </p:par>
+                              <p:par>
+                                <p:cTn id="45" presetID="1" presetClass="entr" presetSubtype="0" fill="hold" nodeType="withEffect">
+                                  <p:stCondLst>
+                                    <p:cond delay="0"/>
+                                  </p:stCondLst>
+                                  <p:childTnLst>
+                                    <p:set>
+                                      <p:cBhvr>
+                                        <p:cTn id="46" dur="1" fill="hold">
+                                          <p:stCondLst>
+                                            <p:cond delay="0"/>
+                                          </p:stCondLst>
+                                        </p:cTn>
+                                        <p:tgtEl>
+                                          <p:spTgt spid="6">
+                                            <p:txEl>
+                                              <p:pRg st="7" end="7"/>
+                                            </p:txEl>
+                                          </p:spTgt>
+                                        </p:tgtEl>
+                                        <p:attrNameLst>
+                                          <p:attrName>style.visibility</p:attrName>
+                                        </p:attrNameLst>
+                                      </p:cBhvr>
+                                      <p:to>
+                                        <p:strVal val="visible"/>
+                                      </p:to>
+                                    </p:set>
+                                  </p:childTnLst>
+                                </p:cTn>
+                              </p:par>
+                              <p:par>
+                                <p:cTn id="47" presetID="1" presetClass="entr" presetSubtype="0" fill="hold" nodeType="withEffect">
+                                  <p:stCondLst>
+                                    <p:cond delay="0"/>
+                                  </p:stCondLst>
+                                  <p:childTnLst>
+                                    <p:set>
+                                      <p:cBhvr>
+                                        <p:cTn id="48" dur="1" fill="hold">
+                                          <p:stCondLst>
+                                            <p:cond delay="0"/>
+                                          </p:stCondLst>
+                                        </p:cTn>
+                                        <p:tgtEl>
+                                          <p:spTgt spid="6">
+                                            <p:txEl>
+                                              <p:pRg st="8" end="8"/>
+                                            </p:txEl>
+                                          </p:spTgt>
                                         </p:tgtEl>
                                         <p:attrNameLst>
                                           <p:attrName>style.visibility</p:attrName>
@@ -7491,9 +8246,7 @@
     </p:tnLst>
     <p:bldLst>
       <p:bldP spid="3" grpId="0"/>
-      <p:bldP spid="4" grpId="0"/>
       <p:bldP spid="5" grpId="0"/>
-      <p:bldP spid="6" grpId="0"/>
     </p:bldLst>
   </p:timing>
 </p:sld>
@@ -7625,6 +8378,28 @@
               <a:rPr lang="en-US" sz="2000" dirty="0">
                 <a:hlinkClick r:id="rId3"/>
               </a:rPr>
+              <a:t>Getting started with </a:t>
+            </a:r>
+            <a:r>
+              <a:rPr lang="en-US" sz="2000" dirty="0" err="1">
+                <a:hlinkClick r:id="rId3"/>
+              </a:rPr>
+              <a:t>Blazor</a:t>
+            </a:r>
+            <a:r>
+              <a:rPr lang="en-US" sz="2000" dirty="0">
+                <a:hlinkClick r:id="rId3"/>
+              </a:rPr>
+              <a:t> and Electron.NET</a:t>
+            </a:r>
+            <a:endParaRPr lang="en-US" sz="2000" dirty="0"/>
+          </a:p>
+          <a:p>
+            <a:pPr lvl="1"/>
+            <a:r>
+              <a:rPr lang="en-US" sz="2000" dirty="0">
+                <a:hlinkClick r:id="rId4"/>
+              </a:rPr>
               <a:t>https://github.com/aspnet/AspLabs/tree/master/src/ComponentsElectron</a:t>
             </a:r>
             <a:endParaRPr lang="en-US" sz="2000" dirty="0"/>
@@ -7639,7 +8414,7 @@
             <a:pPr lvl="1"/>
             <a:r>
               <a:rPr lang="en-US" sz="2000" dirty="0">
-                <a:hlinkClick r:id="rId4"/>
+                <a:hlinkClick r:id="rId5"/>
               </a:rPr>
               <a:t>https://aka.ms/blutter</a:t>
             </a:r>
@@ -7886,33 +8661,15 @@
                                   </p:childTnLst>
                                 </p:cTn>
                               </p:par>
-                            </p:childTnLst>
-                          </p:cTn>
-                        </p:par>
-                      </p:childTnLst>
-                    </p:cTn>
-                  </p:par>
-                  <p:par>
-                    <p:cTn id="21" fill="hold">
-                      <p:stCondLst>
-                        <p:cond delay="indefinite"/>
-                      </p:stCondLst>
-                      <p:childTnLst>
-                        <p:par>
-                          <p:cTn id="22" fill="hold">
-                            <p:stCondLst>
-                              <p:cond delay="0"/>
-                            </p:stCondLst>
-                            <p:childTnLst>
                               <p:par>
-                                <p:cTn id="23" presetID="1" presetClass="entr" presetSubtype="0" fill="hold" grpId="0" nodeType="clickEffect">
+                                <p:cTn id="21" presetID="1" presetClass="entr" presetSubtype="0" fill="hold" grpId="0" nodeType="withEffect">
                                   <p:stCondLst>
                                     <p:cond delay="0"/>
                                   </p:stCondLst>
                                   <p:childTnLst>
                                     <p:set>
                                       <p:cBhvr>
-                                        <p:cTn id="24" dur="1" fill="hold">
+                                        <p:cTn id="22" dur="1" fill="hold">
                                           <p:stCondLst>
                                             <p:cond delay="0"/>
                                           </p:stCondLst>
@@ -7935,8 +8692,26 @@
                                   </p:childTnLst>
                                 </p:cTn>
                               </p:par>
+                            </p:childTnLst>
+                          </p:cTn>
+                        </p:par>
+                      </p:childTnLst>
+                    </p:cTn>
+                  </p:par>
+                  <p:par>
+                    <p:cTn id="23" fill="hold">
+                      <p:stCondLst>
+                        <p:cond delay="indefinite"/>
+                      </p:stCondLst>
+                      <p:childTnLst>
+                        <p:par>
+                          <p:cTn id="24" fill="hold">
+                            <p:stCondLst>
+                              <p:cond delay="0"/>
+                            </p:stCondLst>
+                            <p:childTnLst>
                               <p:par>
-                                <p:cTn id="25" presetID="1" presetClass="entr" presetSubtype="0" fill="hold" grpId="0" nodeType="withEffect">
+                                <p:cTn id="25" presetID="1" presetClass="entr" presetSubtype="0" fill="hold" grpId="0" nodeType="clickEffect">
                                   <p:stCondLst>
                                     <p:cond delay="0"/>
                                   </p:stCondLst>
@@ -7952,6 +8727,37 @@
                                           <p:spTgt spid="3">
                                             <p:txEl>
                                               <p:pRg st="6" end="6"/>
+                                            </p:txEl>
+                                          </p:spTgt>
+                                        </p:tgtEl>
+                                        <p:attrNameLst>
+                                          <p:attrName>style.visibility</p:attrName>
+                                        </p:attrNameLst>
+                                      </p:cBhvr>
+                                      <p:to>
+                                        <p:strVal val="visible"/>
+                                      </p:to>
+                                    </p:set>
+                                  </p:childTnLst>
+                                </p:cTn>
+                              </p:par>
+                              <p:par>
+                                <p:cTn id="27" presetID="1" presetClass="entr" presetSubtype="0" fill="hold" grpId="0" nodeType="withEffect">
+                                  <p:stCondLst>
+                                    <p:cond delay="0"/>
+                                  </p:stCondLst>
+                                  <p:childTnLst>
+                                    <p:set>
+                                      <p:cBhvr>
+                                        <p:cTn id="28" dur="1" fill="hold">
+                                          <p:stCondLst>
+                                            <p:cond delay="0"/>
+                                          </p:stCondLst>
+                                        </p:cTn>
+                                        <p:tgtEl>
+                                          <p:spTgt spid="3">
+                                            <p:txEl>
+                                              <p:pRg st="7" end="7"/>
                                             </p:txEl>
                                           </p:spTgt>
                                         </p:tgtEl>
@@ -9039,88 +9845,6 @@
   <p:clrMapOvr>
     <a:masterClrMapping/>
   </p:clrMapOvr>
-  <p:timing>
-    <p:tnLst>
-      <p:par>
-        <p:cTn id="1" dur="indefinite" restart="never" nodeType="tmRoot">
-          <p:childTnLst>
-            <p:seq concurrent="1" nextAc="seek">
-              <p:cTn id="2" dur="indefinite" nodeType="mainSeq">
-                <p:childTnLst>
-                  <p:par>
-                    <p:cTn id="3" fill="hold">
-                      <p:stCondLst>
-                        <p:cond delay="indefinite"/>
-                      </p:stCondLst>
-                      <p:childTnLst>
-                        <p:par>
-                          <p:cTn id="4" fill="hold">
-                            <p:stCondLst>
-                              <p:cond delay="0"/>
-                            </p:stCondLst>
-                            <p:childTnLst>
-                              <p:par>
-                                <p:cTn id="5" presetID="1" presetClass="entr" presetSubtype="0" fill="hold" grpId="0" nodeType="clickEffect">
-                                  <p:stCondLst>
-                                    <p:cond delay="0"/>
-                                  </p:stCondLst>
-                                  <p:childTnLst>
-                                    <p:set>
-                                      <p:cBhvr>
-                                        <p:cTn id="6" dur="1" fill="hold">
-                                          <p:stCondLst>
-                                            <p:cond delay="0"/>
-                                          </p:stCondLst>
-                                        </p:cTn>
-                                        <p:tgtEl>
-                                          <p:spTgt spid="3">
-                                            <p:txEl>
-                                              <p:pRg st="0" end="0"/>
-                                            </p:txEl>
-                                          </p:spTgt>
-                                        </p:tgtEl>
-                                        <p:attrNameLst>
-                                          <p:attrName>style.visibility</p:attrName>
-                                        </p:attrNameLst>
-                                      </p:cBhvr>
-                                      <p:to>
-                                        <p:strVal val="visible"/>
-                                      </p:to>
-                                    </p:set>
-                                  </p:childTnLst>
-                                </p:cTn>
-                              </p:par>
-                            </p:childTnLst>
-                          </p:cTn>
-                        </p:par>
-                      </p:childTnLst>
-                    </p:cTn>
-                  </p:par>
-                </p:childTnLst>
-              </p:cTn>
-              <p:prevCondLst>
-                <p:cond evt="onPrev" delay="0">
-                  <p:tgtEl>
-                    <p:sldTgt/>
-                  </p:tgtEl>
-                </p:cond>
-              </p:prevCondLst>
-              <p:nextCondLst>
-                <p:cond evt="onNext" delay="0">
-                  <p:tgtEl>
-                    <p:sldTgt/>
-                  </p:tgtEl>
-                </p:cond>
-              </p:nextCondLst>
-            </p:seq>
-          </p:childTnLst>
-        </p:cTn>
-      </p:par>
-    </p:tnLst>
-    <p:bldLst>
-      <p:bldP spid="3" grpId="0" build="p"/>
-    </p:bldLst>
-  </p:timing>
 </p:sld>
 </file>
 
@@ -11184,26 +11908,35 @@
                                   </p:childTnLst>
                                 </p:cTn>
                               </p:par>
-                            </p:childTnLst>
-                          </p:cTn>
-                        </p:par>
-                      </p:childTnLst>
-                    </p:cTn>
-                  </p:par>
-                  <p:par>
-                    <p:cTn id="31" fill="hold">
-                      <p:stCondLst>
-                        <p:cond delay="indefinite"/>
-                      </p:stCondLst>
-                      <p:childTnLst>
-                        <p:par>
-                          <p:cTn id="32" fill="hold">
-                            <p:stCondLst>
-                              <p:cond delay="0"/>
-                            </p:stCondLst>
-                            <p:childTnLst>
                               <p:par>
-                                <p:cTn id="33" presetID="1" presetClass="entr" presetSubtype="0" fill="hold" nodeType="clickEffect">
+                                <p:cTn id="31" presetID="1" presetClass="entr" presetSubtype="0" fill="hold" nodeType="withEffect">
+                                  <p:stCondLst>
+                                    <p:cond delay="0"/>
+                                  </p:stCondLst>
+                                  <p:childTnLst>
+                                    <p:set>
+                                      <p:cBhvr>
+                                        <p:cTn id="32" dur="1" fill="hold">
+                                          <p:stCondLst>
+                                            <p:cond delay="0"/>
+                                          </p:stCondLst>
+                                        </p:cTn>
+                                        <p:tgtEl>
+                                          <p:spTgt spid="33"/>
+                                        </p:tgtEl>
+                                        <p:attrNameLst>
+                                          <p:attrName>style.visibility</p:attrName>
+                                        </p:attrNameLst>
+                                      </p:cBhvr>
+                                      <p:to>
+                                        <p:strVal val="visible"/>
+                                      </p:to>
+                                    </p:set>
+                                  </p:childTnLst>
+                                </p:cTn>
+                              </p:par>
+                              <p:par>
+                                <p:cTn id="33" presetID="1" presetClass="entr" presetSubtype="0" fill="hold" nodeType="withEffect">
                                   <p:stCondLst>
                                     <p:cond delay="0"/>
                                   </p:stCondLst>
@@ -11217,33 +11950,6 @@
                                         </p:cTn>
                                         <p:tgtEl>
                                           <p:spTgt spid="32"/>
-                                        </p:tgtEl>
-                                        <p:attrNameLst>
-                                          <p:attrName>style.visibility</p:attrName>
-                                        </p:attrNameLst>
-                                      </p:cBhvr>
-                                      <p:to>
-                                        <p:strVal val="visible"/>
-                                      </p:to>
-                                    </p:set>
-                                  </p:childTnLst>
-                                </p:cTn>
-                              </p:par>
-                              <p:par>
-                                <p:cTn id="35" presetID="1" presetClass="entr" presetSubtype="0" fill="hold" nodeType="withEffect">
-                                  <p:stCondLst>
-                                    <p:cond delay="0"/>
-                                  </p:stCondLst>
-                                  <p:childTnLst>
-                                    <p:set>
-                                      <p:cBhvr>
-                                        <p:cTn id="36" dur="1" fill="hold">
-                                          <p:stCondLst>
-                                            <p:cond delay="0"/>
-                                          </p:stCondLst>
-                                        </p:cTn>
-                                        <p:tgtEl>
-                                          <p:spTgt spid="33"/>
                                         </p:tgtEl>
                                         <p:attrNameLst>
                                           <p:attrName>style.visibility</p:attrName>
@@ -11322,13 +12028,13 @@
           <p:nvPr/>
         </p:nvPicPr>
         <p:blipFill>
-          <a:blip r:embed="rId2">
+          <a:blip r:embed="rId3">
             <a:extLst>
               <a:ext uri="{28A0092B-C50C-407E-A947-70E740481C1C}">
                 <a14:useLocalDpi xmlns:a14="http://schemas.microsoft.com/office/drawing/2010/main" val="0"/>
               </a:ext>
               <a:ext uri="{96DAC541-7B7A-43D3-8B79-37D633B846F1}">
-                <asvg:svgBlip xmlns:asvg="http://schemas.microsoft.com/office/drawing/2016/SVG/main" r:embed="rId3"/>
+                <asvg:svgBlip xmlns:asvg="http://schemas.microsoft.com/office/drawing/2016/SVG/main" r:embed="rId4"/>
               </a:ext>
             </a:extLst>
           </a:blip>
@@ -12287,7 +12993,7 @@
             <p:nvPr/>
           </p:nvPicPr>
           <p:blipFill>
-            <a:blip r:embed="rId4"/>
+            <a:blip r:embed="rId5"/>
             <a:stretch>
               <a:fillRect/>
             </a:stretch>
@@ -12540,13 +13246,13 @@
           <p:nvPr/>
         </p:nvPicPr>
         <p:blipFill>
-          <a:blip r:embed="rId5">
+          <a:blip r:embed="rId6">
             <a:extLst>
               <a:ext uri="{28A0092B-C50C-407E-A947-70E740481C1C}">
                 <a14:useLocalDpi xmlns:a14="http://schemas.microsoft.com/office/drawing/2010/main" val="0"/>
               </a:ext>
               <a:ext uri="{96DAC541-7B7A-43D3-8B79-37D633B846F1}">
-                <asvg:svgBlip xmlns:asvg="http://schemas.microsoft.com/office/drawing/2016/SVG/main" r:embed="rId6"/>
+                <asvg:svgBlip xmlns:asvg="http://schemas.microsoft.com/office/drawing/2016/SVG/main" r:embed="rId7"/>
               </a:ext>
             </a:extLst>
           </a:blip>
@@ -12579,13 +13285,13 @@
           <p:nvPr/>
         </p:nvPicPr>
         <p:blipFill>
-          <a:blip r:embed="rId5">
+          <a:blip r:embed="rId6">
             <a:extLst>
               <a:ext uri="{28A0092B-C50C-407E-A947-70E740481C1C}">
                 <a14:useLocalDpi xmlns:a14="http://schemas.microsoft.com/office/drawing/2010/main" val="0"/>
               </a:ext>
               <a:ext uri="{96DAC541-7B7A-43D3-8B79-37D633B846F1}">
-                <asvg:svgBlip xmlns:asvg="http://schemas.microsoft.com/office/drawing/2016/SVG/main" r:embed="rId6"/>
+                <asvg:svgBlip xmlns:asvg="http://schemas.microsoft.com/office/drawing/2016/SVG/main" r:embed="rId7"/>
               </a:ext>
             </a:extLst>
           </a:blip>
@@ -12691,7 +13397,7 @@
             <p:nvPr/>
           </p:nvPicPr>
           <p:blipFill>
-            <a:blip r:embed="rId7"/>
+            <a:blip r:embed="rId8"/>
             <a:stretch>
               <a:fillRect/>
             </a:stretch>
@@ -12722,7 +13428,7 @@
           <p:nvPr/>
         </p:nvPicPr>
         <p:blipFill>
-          <a:blip r:embed="rId8">
+          <a:blip r:embed="rId9">
             <a:extLst>
               <a:ext uri="{28A0092B-C50C-407E-A947-70E740481C1C}">
                 <a14:useLocalDpi xmlns:a14="http://schemas.microsoft.com/office/drawing/2010/main" val="0"/>
@@ -12758,7 +13464,7 @@
           <p:nvPr/>
         </p:nvPicPr>
         <p:blipFill>
-          <a:blip r:embed="rId9">
+          <a:blip r:embed="rId10">
             <a:extLst>
               <a:ext uri="{28A0092B-C50C-407E-A947-70E740481C1C}">
                 <a14:useLocalDpi xmlns:a14="http://schemas.microsoft.com/office/drawing/2010/main" val="0"/>
@@ -12794,7 +13500,7 @@
           <p:nvPr/>
         </p:nvPicPr>
         <p:blipFill>
-          <a:blip r:embed="rId10">
+          <a:blip r:embed="rId11">
             <a:extLst>
               <a:ext uri="{28A0092B-C50C-407E-A947-70E740481C1C}">
                 <a14:useLocalDpi xmlns:a14="http://schemas.microsoft.com/office/drawing/2010/main" val="0"/>
@@ -12903,7 +13609,7 @@
             <p:nvPr/>
           </p:nvPicPr>
           <p:blipFill>
-            <a:blip r:embed="rId7"/>
+            <a:blip r:embed="rId8"/>
             <a:stretch>
               <a:fillRect/>
             </a:stretch>
@@ -14181,6 +14887,108 @@
   <p:clrMapOvr>
     <a:masterClrMapping/>
   </p:clrMapOvr>
+  <p:timing>
+    <p:tnLst>
+      <p:par>
+        <p:cTn id="1" dur="indefinite" restart="never" nodeType="tmRoot">
+          <p:childTnLst>
+            <p:seq concurrent="1" nextAc="seek">
+              <p:cTn id="2" dur="indefinite" nodeType="mainSeq">
+                <p:childTnLst>
+                  <p:par>
+                    <p:cTn id="3" fill="hold">
+                      <p:stCondLst>
+                        <p:cond delay="indefinite"/>
+                      </p:stCondLst>
+                      <p:childTnLst>
+                        <p:par>
+                          <p:cTn id="4" fill="hold">
+                            <p:stCondLst>
+                              <p:cond delay="0"/>
+                            </p:stCondLst>
+                            <p:childTnLst>
+                              <p:par>
+                                <p:cTn id="5" presetID="1" presetClass="entr" presetSubtype="0" fill="hold" nodeType="clickEffect">
+                                  <p:stCondLst>
+                                    <p:cond delay="0"/>
+                                  </p:stCondLst>
+                                  <p:childTnLst>
+                                    <p:set>
+                                      <p:cBhvr>
+                                        <p:cTn id="6" dur="1" fill="hold">
+                                          <p:stCondLst>
+                                            <p:cond delay="0"/>
+                                          </p:stCondLst>
+                                        </p:cTn>
+                                        <p:tgtEl>
+                                          <p:spTgt spid="34"/>
+                                        </p:tgtEl>
+                                        <p:attrNameLst>
+                                          <p:attrName>style.visibility</p:attrName>
+                                        </p:attrNameLst>
+                                      </p:cBhvr>
+                                      <p:to>
+                                        <p:strVal val="visible"/>
+                                      </p:to>
+                                    </p:set>
+                                  </p:childTnLst>
+                                </p:cTn>
+                              </p:par>
+                              <p:par>
+                                <p:cTn id="7" presetID="1" presetClass="entr" presetSubtype="0" fill="hold" nodeType="withEffect">
+                                  <p:stCondLst>
+                                    <p:cond delay="0"/>
+                                  </p:stCondLst>
+                                  <p:childTnLst>
+                                    <p:set>
+                                      <p:cBhvr>
+                                        <p:cTn id="8" dur="1" fill="hold">
+                                          <p:stCondLst>
+                                            <p:cond delay="0"/>
+                                          </p:stCondLst>
+                                        </p:cTn>
+                                        <p:tgtEl>
+                                          <p:spTgt spid="37"/>
+                                        </p:tgtEl>
+                                        <p:attrNameLst>
+                                          <p:attrName>style.visibility</p:attrName>
+                                        </p:attrNameLst>
+                                      </p:cBhvr>
+                                      <p:to>
+                                        <p:strVal val="visible"/>
+                                      </p:to>
+                                    </p:set>
+                                  </p:childTnLst>
+                                </p:cTn>
+                              </p:par>
+                            </p:childTnLst>
+                          </p:cTn>
+                        </p:par>
+                      </p:childTnLst>
+                    </p:cTn>
+                  </p:par>
+                </p:childTnLst>
+              </p:cTn>
+              <p:prevCondLst>
+                <p:cond evt="onPrev" delay="0">
+                  <p:tgtEl>
+                    <p:sldTgt/>
+                  </p:tgtEl>
+                </p:cond>
+              </p:prevCondLst>
+              <p:nextCondLst>
+                <p:cond evt="onNext" delay="0">
+                  <p:tgtEl>
+                    <p:sldTgt/>
+                  </p:tgtEl>
+                </p:cond>
+              </p:nextCondLst>
+            </p:seq>
+          </p:childTnLst>
+        </p:cTn>
+      </p:par>
+    </p:tnLst>
+  </p:timing>
 </p:sld>
 </file>
 
@@ -14866,7 +15674,7 @@
             </a:r>
             <a:r>
               <a:rPr lang="en-US" sz="2400" i="1" dirty="0"/>
-              <a:t>Razor components</a:t>
+              <a:t>components</a:t>
             </a:r>
           </a:p>
           <a:p>
